--- a/Home Credit Default Risk Prediction Presentation.pptx
+++ b/Home Credit Default Risk Prediction Presentation.pptx
@@ -11,12 +11,15 @@
     <p:sldId id="266" r:id="rId5"/>
     <p:sldId id="259" r:id="rId6"/>
     <p:sldId id="260" r:id="rId7"/>
-    <p:sldId id="261" r:id="rId8"/>
-    <p:sldId id="262" r:id="rId9"/>
-    <p:sldId id="263" r:id="rId10"/>
-    <p:sldId id="264" r:id="rId11"/>
-    <p:sldId id="265" r:id="rId12"/>
-    <p:sldId id="267" r:id="rId13"/>
+    <p:sldId id="268" r:id="rId8"/>
+    <p:sldId id="261" r:id="rId9"/>
+    <p:sldId id="262" r:id="rId10"/>
+    <p:sldId id="263" r:id="rId11"/>
+    <p:sldId id="264" r:id="rId12"/>
+    <p:sldId id="265" r:id="rId13"/>
+    <p:sldId id="269" r:id="rId14"/>
+    <p:sldId id="267" r:id="rId15"/>
+    <p:sldId id="270" r:id="rId16"/>
   </p:sldIdLst>
   <p:sldSz cx="12192000" cy="6858000"/>
   <p:notesSz cx="6858000" cy="9144000"/>
@@ -115,6 +118,11 @@
       </a:defRPr>
     </a:lvl9pPr>
   </p:defaultTextStyle>
+  <p:extLst>
+    <p:ext uri="{EFAFB233-063F-42B5-8137-9DF3F51BA10A}">
+      <p15:sldGuideLst xmlns:p15="http://schemas.microsoft.com/office/powerpoint/2012/main"/>
+    </p:ext>
+  </p:extLst>
 </p:presentation>
 </file>
 
@@ -265,7 +273,7 @@
           <a:p>
             <a:fld id="{5B6E67B8-5E68-43C2-9CA5-563537857EA6}" type="datetimeFigureOut">
               <a:rPr lang="en-US" smtClean="0"/>
-              <a:t>7/14/2024</a:t>
+              <a:t>7/15/2024</a:t>
             </a:fld>
             <a:endParaRPr lang="en-US"/>
           </a:p>
@@ -463,7 +471,7 @@
           <a:p>
             <a:fld id="{5B6E67B8-5E68-43C2-9CA5-563537857EA6}" type="datetimeFigureOut">
               <a:rPr lang="en-US" smtClean="0"/>
-              <a:t>7/14/2024</a:t>
+              <a:t>7/15/2024</a:t>
             </a:fld>
             <a:endParaRPr lang="en-US"/>
           </a:p>
@@ -671,7 +679,7 @@
           <a:p>
             <a:fld id="{5B6E67B8-5E68-43C2-9CA5-563537857EA6}" type="datetimeFigureOut">
               <a:rPr lang="en-US" smtClean="0"/>
-              <a:t>7/14/2024</a:t>
+              <a:t>7/15/2024</a:t>
             </a:fld>
             <a:endParaRPr lang="en-US"/>
           </a:p>
@@ -869,7 +877,7 @@
           <a:p>
             <a:fld id="{5B6E67B8-5E68-43C2-9CA5-563537857EA6}" type="datetimeFigureOut">
               <a:rPr lang="en-US" smtClean="0"/>
-              <a:t>7/14/2024</a:t>
+              <a:t>7/15/2024</a:t>
             </a:fld>
             <a:endParaRPr lang="en-US"/>
           </a:p>
@@ -1144,7 +1152,7 @@
           <a:p>
             <a:fld id="{5B6E67B8-5E68-43C2-9CA5-563537857EA6}" type="datetimeFigureOut">
               <a:rPr lang="en-US" smtClean="0"/>
-              <a:t>7/14/2024</a:t>
+              <a:t>7/15/2024</a:t>
             </a:fld>
             <a:endParaRPr lang="en-US"/>
           </a:p>
@@ -1409,7 +1417,7 @@
           <a:p>
             <a:fld id="{5B6E67B8-5E68-43C2-9CA5-563537857EA6}" type="datetimeFigureOut">
               <a:rPr lang="en-US" smtClean="0"/>
-              <a:t>7/14/2024</a:t>
+              <a:t>7/15/2024</a:t>
             </a:fld>
             <a:endParaRPr lang="en-US"/>
           </a:p>
@@ -1821,7 +1829,7 @@
           <a:p>
             <a:fld id="{5B6E67B8-5E68-43C2-9CA5-563537857EA6}" type="datetimeFigureOut">
               <a:rPr lang="en-US" smtClean="0"/>
-              <a:t>7/14/2024</a:t>
+              <a:t>7/15/2024</a:t>
             </a:fld>
             <a:endParaRPr lang="en-US"/>
           </a:p>
@@ -1962,7 +1970,7 @@
           <a:p>
             <a:fld id="{5B6E67B8-5E68-43C2-9CA5-563537857EA6}" type="datetimeFigureOut">
               <a:rPr lang="en-US" smtClean="0"/>
-              <a:t>7/14/2024</a:t>
+              <a:t>7/15/2024</a:t>
             </a:fld>
             <a:endParaRPr lang="en-US"/>
           </a:p>
@@ -2075,7 +2083,7 @@
           <a:p>
             <a:fld id="{5B6E67B8-5E68-43C2-9CA5-563537857EA6}" type="datetimeFigureOut">
               <a:rPr lang="en-US" smtClean="0"/>
-              <a:t>7/14/2024</a:t>
+              <a:t>7/15/2024</a:t>
             </a:fld>
             <a:endParaRPr lang="en-US"/>
           </a:p>
@@ -2386,7 +2394,7 @@
           <a:p>
             <a:fld id="{5B6E67B8-5E68-43C2-9CA5-563537857EA6}" type="datetimeFigureOut">
               <a:rPr lang="en-US" smtClean="0"/>
-              <a:t>7/14/2024</a:t>
+              <a:t>7/15/2024</a:t>
             </a:fld>
             <a:endParaRPr lang="en-US"/>
           </a:p>
@@ -2674,7 +2682,7 @@
           <a:p>
             <a:fld id="{5B6E67B8-5E68-43C2-9CA5-563537857EA6}" type="datetimeFigureOut">
               <a:rPr lang="en-US" smtClean="0"/>
-              <a:t>7/14/2024</a:t>
+              <a:t>7/15/2024</a:t>
             </a:fld>
             <a:endParaRPr lang="en-US"/>
           </a:p>
@@ -2915,7 +2923,7 @@
           <a:p>
             <a:fld id="{5B6E67B8-5E68-43C2-9CA5-563537857EA6}" type="datetimeFigureOut">
               <a:rPr lang="en-US" smtClean="0"/>
-              <a:t>7/14/2024</a:t>
+              <a:t>7/15/2024</a:t>
             </a:fld>
             <a:endParaRPr lang="en-US"/>
           </a:p>
@@ -3498,6 +3506,274 @@
           <p:cNvPr id="4" name="Title 1">
             <a:extLst>
               <a:ext uri="{FF2B5EF4-FFF2-40B4-BE49-F238E27FC236}">
+                <a16:creationId xmlns:a16="http://schemas.microsoft.com/office/drawing/2014/main" id="{916EA5CA-14B0-1DBF-7881-C71781FBD1AA}"/>
+              </a:ext>
+            </a:extLst>
+          </p:cNvPr>
+          <p:cNvSpPr>
+            <a:spLocks noGrp="1"/>
+          </p:cNvSpPr>
+          <p:nvPr>
+            <p:ph type="title"/>
+          </p:nvPr>
+        </p:nvSpPr>
+        <p:spPr>
+          <a:xfrm>
+            <a:off x="838200" y="365125"/>
+            <a:ext cx="10515600" cy="1325563"/>
+          </a:xfrm>
+        </p:spPr>
+        <p:txBody>
+          <a:bodyPr>
+            <a:normAutofit/>
+          </a:bodyPr>
+          <a:lstStyle/>
+          <a:p>
+            <a:pPr marL="0" algn="l" rtl="0" eaLnBrk="1" latinLnBrk="0" hangingPunct="1">
+              <a:spcBef>
+                <a:spcPts val="0"/>
+              </a:spcBef>
+              <a:spcAft>
+                <a:spcPts val="0"/>
+              </a:spcAft>
+            </a:pPr>
+            <a:r>
+              <a:rPr lang="en-US" sz="3200" b="1" kern="1200" dirty="0">
+                <a:solidFill>
+                  <a:srgbClr val="000000"/>
+                </a:solidFill>
+                <a:effectLst/>
+                <a:latin typeface="Calibri" panose="020F0502020204030204" pitchFamily="34" charset="0"/>
+                <a:ea typeface="+mn-ea"/>
+                <a:cs typeface="+mn-cs"/>
+              </a:rPr>
+              <a:t>How does </a:t>
+            </a:r>
+            <a:r>
+              <a:rPr lang="en-US" sz="3200" b="1" kern="1200" dirty="0" err="1">
+                <a:solidFill>
+                  <a:srgbClr val="000000"/>
+                </a:solidFill>
+                <a:effectLst/>
+                <a:latin typeface="Calibri" panose="020F0502020204030204" pitchFamily="34" charset="0"/>
+                <a:ea typeface="+mn-ea"/>
+                <a:cs typeface="+mn-cs"/>
+              </a:rPr>
+              <a:t>XGBoost</a:t>
+            </a:r>
+            <a:r>
+              <a:rPr lang="en-US" sz="3200" b="1" kern="1200" dirty="0">
+                <a:solidFill>
+                  <a:srgbClr val="000000"/>
+                </a:solidFill>
+                <a:effectLst/>
+                <a:latin typeface="Calibri" panose="020F0502020204030204" pitchFamily="34" charset="0"/>
+                <a:ea typeface="+mn-ea"/>
+                <a:cs typeface="+mn-cs"/>
+              </a:rPr>
+              <a:t> Work ?</a:t>
+            </a:r>
+            <a:endParaRPr lang="en-US" sz="3200" b="1" dirty="0">
+              <a:effectLst/>
+            </a:endParaRPr>
+          </a:p>
+        </p:txBody>
+      </p:sp>
+      <p:sp>
+        <p:nvSpPr>
+          <p:cNvPr id="5" name="TextBox 4">
+            <a:extLst>
+              <a:ext uri="{FF2B5EF4-FFF2-40B4-BE49-F238E27FC236}">
+                <a16:creationId xmlns:a16="http://schemas.microsoft.com/office/drawing/2014/main" id="{4B17E96B-4DB9-0FE5-391C-19E9AA8F9E25}"/>
+              </a:ext>
+            </a:extLst>
+          </p:cNvPr>
+          <p:cNvSpPr txBox="1"/>
+          <p:nvPr/>
+        </p:nvSpPr>
+        <p:spPr>
+          <a:xfrm>
+            <a:off x="1706208" y="5825490"/>
+            <a:ext cx="8779583" cy="369332"/>
+          </a:xfrm>
+          <a:prstGeom prst="rect">
+            <a:avLst/>
+          </a:prstGeom>
+          <a:noFill/>
+        </p:spPr>
+        <p:txBody>
+          <a:bodyPr wrap="none" rtlCol="0">
+            <a:spAutoFit/>
+          </a:bodyPr>
+          <a:lstStyle/>
+          <a:p>
+            <a:r>
+              <a:rPr lang="en-US" dirty="0">
+                <a:hlinkClick r:id="rId2"/>
+              </a:rPr>
+              <a:t>https://drive.google.com/file/d/1Of2qEVidq0EjRgV-iBboI_vFyV3p7cHs/view?usp=drive_link</a:t>
+            </a:r>
+            <a:r>
+              <a:rPr lang="en-US" dirty="0"/>
+              <a:t> </a:t>
+            </a:r>
+          </a:p>
+        </p:txBody>
+      </p:sp>
+      <p:sp>
+        <p:nvSpPr>
+          <p:cNvPr id="6" name="TextBox 5">
+            <a:extLst>
+              <a:ext uri="{FF2B5EF4-FFF2-40B4-BE49-F238E27FC236}">
+                <a16:creationId xmlns:a16="http://schemas.microsoft.com/office/drawing/2014/main" id="{23B10A8B-4E57-D603-2DD7-05A6F7C2F3F6}"/>
+              </a:ext>
+            </a:extLst>
+          </p:cNvPr>
+          <p:cNvSpPr txBox="1"/>
+          <p:nvPr/>
+        </p:nvSpPr>
+        <p:spPr>
+          <a:xfrm>
+            <a:off x="1000125" y="1609725"/>
+            <a:ext cx="5738622" cy="3970318"/>
+          </a:xfrm>
+          <a:prstGeom prst="rect">
+            <a:avLst/>
+          </a:prstGeom>
+          <a:noFill/>
+        </p:spPr>
+        <p:txBody>
+          <a:bodyPr wrap="none" rtlCol="0">
+            <a:spAutoFit/>
+          </a:bodyPr>
+          <a:lstStyle/>
+          <a:p>
+            <a:pPr marL="514350" indent="-514350">
+              <a:buFont typeface="+mj-lt"/>
+              <a:buAutoNum type="arabicPeriod"/>
+            </a:pPr>
+            <a:r>
+              <a:rPr lang="en-US" sz="2800" dirty="0"/>
+              <a:t>Initialization</a:t>
+            </a:r>
+          </a:p>
+          <a:p>
+            <a:pPr marL="514350" indent="-514350">
+              <a:buFont typeface="+mj-lt"/>
+              <a:buAutoNum type="arabicPeriod"/>
+            </a:pPr>
+            <a:r>
+              <a:rPr lang="en-US" sz="2800" dirty="0"/>
+              <a:t>Calculate Residuals</a:t>
+            </a:r>
+          </a:p>
+          <a:p>
+            <a:pPr marL="514350" indent="-514350">
+              <a:buFont typeface="+mj-lt"/>
+              <a:buAutoNum type="arabicPeriod"/>
+            </a:pPr>
+            <a:r>
+              <a:rPr lang="en-US" sz="2800" dirty="0"/>
+              <a:t>Fit a Decision Tree</a:t>
+            </a:r>
+          </a:p>
+          <a:p>
+            <a:pPr marL="514350" indent="-514350">
+              <a:buFont typeface="+mj-lt"/>
+              <a:buAutoNum type="arabicPeriod"/>
+            </a:pPr>
+            <a:r>
+              <a:rPr lang="en-US" sz="2800" dirty="0"/>
+              <a:t>Calculate Similarity Score and Gain</a:t>
+            </a:r>
+          </a:p>
+          <a:p>
+            <a:pPr marL="514350" indent="-514350">
+              <a:buFont typeface="+mj-lt"/>
+              <a:buAutoNum type="arabicPeriod"/>
+            </a:pPr>
+            <a:r>
+              <a:rPr lang="en-US" sz="2800" dirty="0"/>
+              <a:t>Pruning</a:t>
+            </a:r>
+          </a:p>
+          <a:p>
+            <a:pPr marL="514350" indent="-514350">
+              <a:buFont typeface="+mj-lt"/>
+              <a:buAutoNum type="arabicPeriod"/>
+            </a:pPr>
+            <a:r>
+              <a:rPr lang="en-US" sz="2800" dirty="0"/>
+              <a:t>Calculate Leaf Weights/Outputs</a:t>
+            </a:r>
+          </a:p>
+          <a:p>
+            <a:pPr marL="514350" indent="-514350">
+              <a:buFont typeface="+mj-lt"/>
+              <a:buAutoNum type="arabicPeriod"/>
+            </a:pPr>
+            <a:r>
+              <a:rPr lang="en-US" sz="2800" dirty="0"/>
+              <a:t>Update Predictions</a:t>
+            </a:r>
+          </a:p>
+          <a:p>
+            <a:pPr marL="514350" indent="-514350">
+              <a:buFont typeface="+mj-lt"/>
+              <a:buAutoNum type="arabicPeriod"/>
+            </a:pPr>
+            <a:r>
+              <a:rPr lang="en-US" sz="2800" dirty="0"/>
+              <a:t>Repeat for Multiple Trees</a:t>
+            </a:r>
+          </a:p>
+          <a:p>
+            <a:pPr marL="514350" indent="-514350">
+              <a:buFont typeface="+mj-lt"/>
+              <a:buAutoNum type="arabicPeriod"/>
+            </a:pPr>
+            <a:r>
+              <a:rPr lang="en-US" sz="2800" dirty="0"/>
+              <a:t>Final Model</a:t>
+            </a:r>
+          </a:p>
+        </p:txBody>
+      </p:sp>
+    </p:spTree>
+    <p:extLst>
+      <p:ext uri="{BB962C8B-B14F-4D97-AF65-F5344CB8AC3E}">
+        <p14:creationId xmlns:p14="http://schemas.microsoft.com/office/powerpoint/2010/main" val="1232011797"/>
+      </p:ext>
+    </p:extLst>
+  </p:cSld>
+  <p:clrMapOvr>
+    <a:masterClrMapping/>
+  </p:clrMapOvr>
+</p:sld>
+</file>
+
+<file path=ppt/slides/slide11.xml><?xml version="1.0" encoding="utf-8"?>
+<p:sld xmlns:a="http://schemas.openxmlformats.org/drawingml/2006/main" xmlns:r="http://schemas.openxmlformats.org/officeDocument/2006/relationships" xmlns:p="http://schemas.openxmlformats.org/presentationml/2006/main">
+  <p:cSld>
+    <p:spTree>
+      <p:nvGrpSpPr>
+        <p:cNvPr id="1" name=""/>
+        <p:cNvGrpSpPr/>
+        <p:nvPr/>
+      </p:nvGrpSpPr>
+      <p:grpSpPr>
+        <a:xfrm>
+          <a:off x="0" y="0"/>
+          <a:ext cx="0" cy="0"/>
+          <a:chOff x="0" y="0"/>
+          <a:chExt cx="0" cy="0"/>
+        </a:xfrm>
+      </p:grpSpPr>
+      <p:sp>
+        <p:nvSpPr>
+          <p:cNvPr id="4" name="Title 1">
+            <a:extLst>
+              <a:ext uri="{FF2B5EF4-FFF2-40B4-BE49-F238E27FC236}">
                 <a16:creationId xmlns:a16="http://schemas.microsoft.com/office/drawing/2014/main" id="{1466F2D6-E9A3-BFEA-0CDE-C4C467B4F596}"/>
               </a:ext>
             </a:extLst>
@@ -3690,7 +3966,7 @@
 </p:sld>
 </file>
 
-<file path=ppt/slides/slide11.xml><?xml version="1.0" encoding="utf-8"?>
+<file path=ppt/slides/slide12.xml><?xml version="1.0" encoding="utf-8"?>
 <p:sld xmlns:a="http://schemas.openxmlformats.org/drawingml/2006/main" xmlns:r="http://schemas.openxmlformats.org/officeDocument/2006/relationships" xmlns:p="http://schemas.openxmlformats.org/presentationml/2006/main">
   <p:cSld>
     <p:spTree>
@@ -3948,7 +4224,7 @@
 </p:sld>
 </file>
 
-<file path=ppt/slides/slide12.xml><?xml version="1.0" encoding="utf-8"?>
+<file path=ppt/slides/slide13.xml><?xml version="1.0" encoding="utf-8"?>
 <p:sld xmlns:a="http://schemas.openxmlformats.org/drawingml/2006/main" xmlns:r="http://schemas.openxmlformats.org/officeDocument/2006/relationships" xmlns:p="http://schemas.openxmlformats.org/presentationml/2006/main">
   <p:cSld>
     <p:spTree>
@@ -3970,6 +4246,205 @@
           <p:cNvPr id="2" name="Title 1">
             <a:extLst>
               <a:ext uri="{FF2B5EF4-FFF2-40B4-BE49-F238E27FC236}">
+                <a16:creationId xmlns:a16="http://schemas.microsoft.com/office/drawing/2014/main" id="{C030D089-894C-D031-D67E-973D1BAE01C0}"/>
+              </a:ext>
+            </a:extLst>
+          </p:cNvPr>
+          <p:cNvSpPr>
+            <a:spLocks noGrp="1"/>
+          </p:cNvSpPr>
+          <p:nvPr>
+            <p:ph type="title"/>
+          </p:nvPr>
+        </p:nvSpPr>
+        <p:spPr/>
+        <p:txBody>
+          <a:bodyPr>
+            <a:normAutofit/>
+          </a:bodyPr>
+          <a:lstStyle/>
+          <a:p>
+            <a:r>
+              <a:rPr lang="en-US" sz="3200" b="1" kern="1200" dirty="0">
+                <a:solidFill>
+                  <a:srgbClr val="000000"/>
+                </a:solidFill>
+                <a:effectLst/>
+                <a:latin typeface="Calibri" panose="020F0502020204030204" pitchFamily="34" charset="0"/>
+                <a:ea typeface="+mn-ea"/>
+                <a:cs typeface="+mn-cs"/>
+              </a:rPr>
+              <a:t>Performance after Tuning Some Hyperparameters</a:t>
+            </a:r>
+            <a:endParaRPr lang="en-US" sz="3200" dirty="0"/>
+          </a:p>
+        </p:txBody>
+      </p:sp>
+      <p:pic>
+        <p:nvPicPr>
+          <p:cNvPr id="5" name="Picture 4">
+            <a:extLst>
+              <a:ext uri="{FF2B5EF4-FFF2-40B4-BE49-F238E27FC236}">
+                <a16:creationId xmlns:a16="http://schemas.microsoft.com/office/drawing/2014/main" id="{97AF6423-DB23-8C4C-A6C5-3D3BF37D3D00}"/>
+              </a:ext>
+            </a:extLst>
+          </p:cNvPr>
+          <p:cNvPicPr>
+            <a:picLocks noChangeAspect="1"/>
+          </p:cNvPicPr>
+          <p:nvPr/>
+        </p:nvPicPr>
+        <p:blipFill>
+          <a:blip r:embed="rId2"/>
+          <a:stretch>
+            <a:fillRect/>
+          </a:stretch>
+        </p:blipFill>
+        <p:spPr>
+          <a:xfrm>
+            <a:off x="903706" y="2624025"/>
+            <a:ext cx="4344006" cy="1609950"/>
+          </a:xfrm>
+          <a:prstGeom prst="rect">
+            <a:avLst/>
+          </a:prstGeom>
+        </p:spPr>
+      </p:pic>
+      <p:pic>
+        <p:nvPicPr>
+          <p:cNvPr id="7" name="Picture 6">
+            <a:extLst>
+              <a:ext uri="{FF2B5EF4-FFF2-40B4-BE49-F238E27FC236}">
+                <a16:creationId xmlns:a16="http://schemas.microsoft.com/office/drawing/2014/main" id="{89637D7E-5B9D-B285-66FB-903FCB598EF9}"/>
+              </a:ext>
+            </a:extLst>
+          </p:cNvPr>
+          <p:cNvPicPr>
+            <a:picLocks noChangeAspect="1"/>
+          </p:cNvPicPr>
+          <p:nvPr/>
+        </p:nvPicPr>
+        <p:blipFill>
+          <a:blip r:embed="rId3"/>
+          <a:stretch>
+            <a:fillRect/>
+          </a:stretch>
+        </p:blipFill>
+        <p:spPr>
+          <a:xfrm>
+            <a:off x="6382328" y="2483428"/>
+            <a:ext cx="4645890" cy="3649136"/>
+          </a:xfrm>
+          <a:prstGeom prst="rect">
+            <a:avLst/>
+          </a:prstGeom>
+        </p:spPr>
+      </p:pic>
+      <p:sp>
+        <p:nvSpPr>
+          <p:cNvPr id="8" name="TextBox 7">
+            <a:extLst>
+              <a:ext uri="{FF2B5EF4-FFF2-40B4-BE49-F238E27FC236}">
+                <a16:creationId xmlns:a16="http://schemas.microsoft.com/office/drawing/2014/main" id="{9D219793-A19A-BEB2-0ED4-2A2082B594BE}"/>
+              </a:ext>
+            </a:extLst>
+          </p:cNvPr>
+          <p:cNvSpPr txBox="1"/>
+          <p:nvPr/>
+        </p:nvSpPr>
+        <p:spPr>
+          <a:xfrm>
+            <a:off x="838200" y="1832737"/>
+            <a:ext cx="3153684" cy="523220"/>
+          </a:xfrm>
+          <a:prstGeom prst="rect">
+            <a:avLst/>
+          </a:prstGeom>
+          <a:noFill/>
+        </p:spPr>
+        <p:txBody>
+          <a:bodyPr wrap="none" rtlCol="0">
+            <a:spAutoFit/>
+          </a:bodyPr>
+          <a:lstStyle/>
+          <a:p>
+            <a:r>
+              <a:rPr lang="en-US" sz="2800" dirty="0"/>
+              <a:t>Classification Report</a:t>
+            </a:r>
+          </a:p>
+        </p:txBody>
+      </p:sp>
+      <p:sp>
+        <p:nvSpPr>
+          <p:cNvPr id="9" name="TextBox 8">
+            <a:extLst>
+              <a:ext uri="{FF2B5EF4-FFF2-40B4-BE49-F238E27FC236}">
+                <a16:creationId xmlns:a16="http://schemas.microsoft.com/office/drawing/2014/main" id="{226EC55E-749E-1A67-3079-AE07D6C20E37}"/>
+              </a:ext>
+            </a:extLst>
+          </p:cNvPr>
+          <p:cNvSpPr txBox="1"/>
+          <p:nvPr/>
+        </p:nvSpPr>
+        <p:spPr>
+          <a:xfrm>
+            <a:off x="6859450" y="1837499"/>
+            <a:ext cx="2691121" cy="523220"/>
+          </a:xfrm>
+          <a:prstGeom prst="rect">
+            <a:avLst/>
+          </a:prstGeom>
+          <a:noFill/>
+        </p:spPr>
+        <p:txBody>
+          <a:bodyPr wrap="none" rtlCol="0">
+            <a:spAutoFit/>
+          </a:bodyPr>
+          <a:lstStyle/>
+          <a:p>
+            <a:r>
+              <a:rPr lang="en-US" sz="2800" dirty="0"/>
+              <a:t>Confusion Matrix</a:t>
+            </a:r>
+          </a:p>
+        </p:txBody>
+      </p:sp>
+    </p:spTree>
+    <p:extLst>
+      <p:ext uri="{BB962C8B-B14F-4D97-AF65-F5344CB8AC3E}">
+        <p14:creationId xmlns:p14="http://schemas.microsoft.com/office/powerpoint/2010/main" val="629238222"/>
+      </p:ext>
+    </p:extLst>
+  </p:cSld>
+  <p:clrMapOvr>
+    <a:masterClrMapping/>
+  </p:clrMapOvr>
+</p:sld>
+</file>
+
+<file path=ppt/slides/slide14.xml><?xml version="1.0" encoding="utf-8"?>
+<p:sld xmlns:a="http://schemas.openxmlformats.org/drawingml/2006/main" xmlns:r="http://schemas.openxmlformats.org/officeDocument/2006/relationships" xmlns:p="http://schemas.openxmlformats.org/presentationml/2006/main">
+  <p:cSld>
+    <p:spTree>
+      <p:nvGrpSpPr>
+        <p:cNvPr id="1" name=""/>
+        <p:cNvGrpSpPr/>
+        <p:nvPr/>
+      </p:nvGrpSpPr>
+      <p:grpSpPr>
+        <a:xfrm>
+          <a:off x="0" y="0"/>
+          <a:ext cx="0" cy="0"/>
+          <a:chOff x="0" y="0"/>
+          <a:chExt cx="0" cy="0"/>
+        </a:xfrm>
+      </p:grpSpPr>
+      <p:sp>
+        <p:nvSpPr>
+          <p:cNvPr id="2" name="Title 1">
+            <a:extLst>
+              <a:ext uri="{FF2B5EF4-FFF2-40B4-BE49-F238E27FC236}">
                 <a16:creationId xmlns:a16="http://schemas.microsoft.com/office/drawing/2014/main" id="{917EC6FF-D172-8431-5E33-AB48CB5F099A}"/>
               </a:ext>
             </a:extLst>
@@ -4026,8 +4501,8 @@
         </p:blipFill>
         <p:spPr bwMode="auto">
           <a:xfrm>
-            <a:off x="823913" y="2726531"/>
-            <a:ext cx="5272087" cy="2636044"/>
+            <a:off x="981075" y="2692373"/>
+            <a:ext cx="3574633" cy="1787317"/>
           </a:xfrm>
           <a:prstGeom prst="rect">
             <a:avLst/>
@@ -4066,8 +4541,8 @@
         </p:blipFill>
         <p:spPr>
           <a:xfrm>
-            <a:off x="7019925" y="2965265"/>
-            <a:ext cx="4333875" cy="2397310"/>
+            <a:off x="5937681" y="2826719"/>
+            <a:ext cx="2883046" cy="1594775"/>
           </a:xfrm>
           <a:prstGeom prst="rect">
             <a:avLst/>
@@ -4123,7 +4598,7 @@
         </p:nvSpPr>
         <p:spPr>
           <a:xfrm>
-            <a:off x="7019925" y="2042907"/>
+            <a:off x="6096000" y="2042907"/>
             <a:ext cx="2518638" cy="523220"/>
           </a:xfrm>
           <a:prstGeom prst="rect">
@@ -4144,10 +4619,123 @@
           </a:p>
         </p:txBody>
       </p:sp>
+      <p:sp>
+        <p:nvSpPr>
+          <p:cNvPr id="3" name="TextBox 2">
+            <a:extLst>
+              <a:ext uri="{FF2B5EF4-FFF2-40B4-BE49-F238E27FC236}">
+                <a16:creationId xmlns:a16="http://schemas.microsoft.com/office/drawing/2014/main" id="{7B9985DB-C1F7-CFB8-68A3-4E79450F2C33}"/>
+              </a:ext>
+            </a:extLst>
+          </p:cNvPr>
+          <p:cNvSpPr txBox="1"/>
+          <p:nvPr/>
+        </p:nvSpPr>
+        <p:spPr>
+          <a:xfrm>
+            <a:off x="981075" y="4984624"/>
+            <a:ext cx="7310463" cy="523220"/>
+          </a:xfrm>
+          <a:prstGeom prst="rect">
+            <a:avLst/>
+          </a:prstGeom>
+          <a:noFill/>
+        </p:spPr>
+        <p:txBody>
+          <a:bodyPr wrap="none" rtlCol="0">
+            <a:spAutoFit/>
+          </a:bodyPr>
+          <a:lstStyle/>
+          <a:p>
+            <a:r>
+              <a:rPr lang="en-US" sz="2800" dirty="0" err="1">
+                <a:solidFill>
+                  <a:srgbClr val="FF0000"/>
+                </a:solidFill>
+              </a:rPr>
+              <a:t>Mahalanobies</a:t>
+            </a:r>
+            <a:r>
+              <a:rPr lang="en-US" sz="2800" dirty="0">
+                <a:solidFill>
+                  <a:srgbClr val="FF0000"/>
+                </a:solidFill>
+              </a:rPr>
+              <a:t> Distance + Chi-Square Distribution</a:t>
+            </a:r>
+          </a:p>
+        </p:txBody>
+      </p:sp>
     </p:spTree>
     <p:extLst>
       <p:ext uri="{BB962C8B-B14F-4D97-AF65-F5344CB8AC3E}">
         <p14:creationId xmlns:p14="http://schemas.microsoft.com/office/powerpoint/2010/main" val="2464741559"/>
+      </p:ext>
+    </p:extLst>
+  </p:cSld>
+  <p:clrMapOvr>
+    <a:masterClrMapping/>
+  </p:clrMapOvr>
+</p:sld>
+</file>
+
+<file path=ppt/slides/slide15.xml><?xml version="1.0" encoding="utf-8"?>
+<p:sld xmlns:a="http://schemas.openxmlformats.org/drawingml/2006/main" xmlns:r="http://schemas.openxmlformats.org/officeDocument/2006/relationships" xmlns:p="http://schemas.openxmlformats.org/presentationml/2006/main">
+  <p:cSld>
+    <p:spTree>
+      <p:nvGrpSpPr>
+        <p:cNvPr id="1" name=""/>
+        <p:cNvGrpSpPr/>
+        <p:nvPr/>
+      </p:nvGrpSpPr>
+      <p:grpSpPr>
+        <a:xfrm>
+          <a:off x="0" y="0"/>
+          <a:ext cx="0" cy="0"/>
+          <a:chOff x="0" y="0"/>
+          <a:chExt cx="0" cy="0"/>
+        </a:xfrm>
+      </p:grpSpPr>
+      <p:sp>
+        <p:nvSpPr>
+          <p:cNvPr id="2" name="Title 1">
+            <a:extLst>
+              <a:ext uri="{FF2B5EF4-FFF2-40B4-BE49-F238E27FC236}">
+                <a16:creationId xmlns:a16="http://schemas.microsoft.com/office/drawing/2014/main" id="{E44168DD-B2B2-24C0-2F1B-A33CCB300BB5}"/>
+              </a:ext>
+            </a:extLst>
+          </p:cNvPr>
+          <p:cNvSpPr>
+            <a:spLocks noGrp="1"/>
+          </p:cNvSpPr>
+          <p:nvPr>
+            <p:ph type="title"/>
+          </p:nvPr>
+        </p:nvSpPr>
+        <p:spPr>
+          <a:xfrm>
+            <a:off x="838200" y="2766218"/>
+            <a:ext cx="10515600" cy="1325563"/>
+          </a:xfrm>
+        </p:spPr>
+        <p:txBody>
+          <a:bodyPr/>
+          <a:lstStyle/>
+          <a:p>
+            <a:pPr algn="ctr"/>
+            <a:r>
+              <a:rPr lang="en-US" b="1" dirty="0">
+                <a:latin typeface="+mn-lt"/>
+              </a:rPr>
+              <a:t>Thank You</a:t>
+            </a:r>
+          </a:p>
+        </p:txBody>
+      </p:sp>
+    </p:spTree>
+    <p:extLst>
+      <p:ext uri="{BB962C8B-B14F-4D97-AF65-F5344CB8AC3E}">
+        <p14:creationId xmlns:p14="http://schemas.microsoft.com/office/powerpoint/2010/main" val="1016812484"/>
       </p:ext>
     </p:extLst>
   </p:cSld>
@@ -4888,7 +5476,7 @@
         <p:spPr>
           <a:xfrm>
             <a:off x="838200" y="1690688"/>
-            <a:ext cx="9265229" cy="3970318"/>
+            <a:ext cx="11076709" cy="4401205"/>
           </a:xfrm>
           <a:prstGeom prst="rect">
             <a:avLst/>
@@ -4896,7 +5484,7 @@
           <a:noFill/>
         </p:spPr>
         <p:txBody>
-          <a:bodyPr wrap="none" rtlCol="0">
+          <a:bodyPr wrap="square" rtlCol="0">
             <a:spAutoFit/>
           </a:bodyPr>
           <a:lstStyle/>
@@ -4915,13 +5503,14 @@
           <a:p>
             <a:r>
               <a:rPr lang="en-US" sz="2800" dirty="0"/>
-              <a:t>Check Class </a:t>
-            </a:r>
-            <a:r>
-              <a:rPr lang="en-US" sz="2800" dirty="0" err="1"/>
-              <a:t>Imbalanceness</a:t>
-            </a:r>
-            <a:endParaRPr lang="en-US" sz="2800" dirty="0"/>
+              <a:t>Distribution of the Target Variable</a:t>
+            </a:r>
+          </a:p>
+          <a:p>
+            <a:r>
+              <a:rPr lang="en-US" sz="2800" dirty="0"/>
+              <a:t>Sample the Dataset such that the Original Class Distribution is Preserved </a:t>
+            </a:r>
           </a:p>
           <a:p>
             <a:r>
@@ -5026,17 +5615,8 @@
               <a:rPr lang="en-US" sz="3200" b="1" dirty="0">
                 <a:latin typeface="+mn-lt"/>
               </a:rPr>
-              <a:t>Check Class </a:t>
-            </a:r>
-            <a:r>
-              <a:rPr lang="en-US" sz="3200" b="1" dirty="0" err="1">
-                <a:latin typeface="+mn-lt"/>
-              </a:rPr>
-              <a:t>Imbalanceness</a:t>
-            </a:r>
-            <a:endParaRPr lang="en-US" sz="3200" b="1" dirty="0">
-              <a:latin typeface="+mn-lt"/>
-            </a:endParaRPr>
+              <a:t>Distribution of the Target Variable</a:t>
+            </a:r>
           </a:p>
         </p:txBody>
       </p:sp>
@@ -5105,6 +5685,247 @@
           <p:cNvPr id="4" name="Title 1">
             <a:extLst>
               <a:ext uri="{FF2B5EF4-FFF2-40B4-BE49-F238E27FC236}">
+                <a16:creationId xmlns:a16="http://schemas.microsoft.com/office/drawing/2014/main" id="{03573ECA-B282-8A23-5476-962490BE6857}"/>
+              </a:ext>
+            </a:extLst>
+          </p:cNvPr>
+          <p:cNvSpPr>
+            <a:spLocks noGrp="1"/>
+          </p:cNvSpPr>
+          <p:nvPr>
+            <p:ph type="title"/>
+          </p:nvPr>
+        </p:nvSpPr>
+        <p:spPr>
+          <a:xfrm>
+            <a:off x="838200" y="365125"/>
+            <a:ext cx="10515600" cy="1325563"/>
+          </a:xfrm>
+        </p:spPr>
+        <p:txBody>
+          <a:bodyPr>
+            <a:normAutofit/>
+          </a:bodyPr>
+          <a:lstStyle/>
+          <a:p>
+            <a:r>
+              <a:rPr lang="en-US" sz="3200" b="1" kern="1200" dirty="0">
+                <a:solidFill>
+                  <a:srgbClr val="000000"/>
+                </a:solidFill>
+                <a:effectLst/>
+                <a:latin typeface="Calibri" panose="020F0502020204030204" pitchFamily="34" charset="0"/>
+                <a:ea typeface="+mn-ea"/>
+                <a:cs typeface="+mn-cs"/>
+              </a:rPr>
+              <a:t>Sample the Dataset such that the Original Class Distribution is Preserved </a:t>
+            </a:r>
+            <a:endParaRPr lang="en-US" sz="3200" b="1" dirty="0">
+              <a:latin typeface="+mn-lt"/>
+            </a:endParaRPr>
+          </a:p>
+        </p:txBody>
+      </p:sp>
+      <p:pic>
+        <p:nvPicPr>
+          <p:cNvPr id="6" name="Picture 5">
+            <a:extLst>
+              <a:ext uri="{FF2B5EF4-FFF2-40B4-BE49-F238E27FC236}">
+                <a16:creationId xmlns:a16="http://schemas.microsoft.com/office/drawing/2014/main" id="{A2EC2C79-15FD-0E16-9932-040AC11C1465}"/>
+              </a:ext>
+            </a:extLst>
+          </p:cNvPr>
+          <p:cNvPicPr>
+            <a:picLocks noChangeAspect="1"/>
+          </p:cNvPicPr>
+          <p:nvPr/>
+        </p:nvPicPr>
+        <p:blipFill>
+          <a:blip r:embed="rId2"/>
+          <a:stretch>
+            <a:fillRect/>
+          </a:stretch>
+        </p:blipFill>
+        <p:spPr>
+          <a:xfrm>
+            <a:off x="1136073" y="3085387"/>
+            <a:ext cx="4708959" cy="3407488"/>
+          </a:xfrm>
+          <a:prstGeom prst="rect">
+            <a:avLst/>
+          </a:prstGeom>
+        </p:spPr>
+      </p:pic>
+      <p:pic>
+        <p:nvPicPr>
+          <p:cNvPr id="8" name="Picture 7">
+            <a:extLst>
+              <a:ext uri="{FF2B5EF4-FFF2-40B4-BE49-F238E27FC236}">
+                <a16:creationId xmlns:a16="http://schemas.microsoft.com/office/drawing/2014/main" id="{9A2F5995-0055-BCDD-A409-A58A8AD0F5A7}"/>
+              </a:ext>
+            </a:extLst>
+          </p:cNvPr>
+          <p:cNvPicPr>
+            <a:picLocks noChangeAspect="1"/>
+          </p:cNvPicPr>
+          <p:nvPr/>
+        </p:nvPicPr>
+        <p:blipFill>
+          <a:blip r:embed="rId3"/>
+          <a:stretch>
+            <a:fillRect/>
+          </a:stretch>
+        </p:blipFill>
+        <p:spPr>
+          <a:xfrm>
+            <a:off x="6321603" y="3085387"/>
+            <a:ext cx="4645857" cy="3407488"/>
+          </a:xfrm>
+          <a:prstGeom prst="rect">
+            <a:avLst/>
+          </a:prstGeom>
+        </p:spPr>
+      </p:pic>
+      <p:sp>
+        <p:nvSpPr>
+          <p:cNvPr id="9" name="TextBox 8">
+            <a:extLst>
+              <a:ext uri="{FF2B5EF4-FFF2-40B4-BE49-F238E27FC236}">
+                <a16:creationId xmlns:a16="http://schemas.microsoft.com/office/drawing/2014/main" id="{86DE252F-4C65-7047-C7F0-F27D489354C7}"/>
+              </a:ext>
+            </a:extLst>
+          </p:cNvPr>
+          <p:cNvSpPr txBox="1"/>
+          <p:nvPr/>
+        </p:nvSpPr>
+        <p:spPr>
+          <a:xfrm>
+            <a:off x="1780309" y="2382957"/>
+            <a:ext cx="3641436" cy="461665"/>
+          </a:xfrm>
+          <a:prstGeom prst="rect">
+            <a:avLst/>
+          </a:prstGeom>
+          <a:noFill/>
+        </p:spPr>
+        <p:txBody>
+          <a:bodyPr wrap="square" rtlCol="0">
+            <a:spAutoFit/>
+          </a:bodyPr>
+          <a:lstStyle/>
+          <a:p>
+            <a:r>
+              <a:rPr lang="en-US" sz="2400" dirty="0"/>
+              <a:t>Distribution of Train Set</a:t>
+            </a:r>
+          </a:p>
+        </p:txBody>
+      </p:sp>
+      <p:sp>
+        <p:nvSpPr>
+          <p:cNvPr id="10" name="TextBox 9">
+            <a:extLst>
+              <a:ext uri="{FF2B5EF4-FFF2-40B4-BE49-F238E27FC236}">
+                <a16:creationId xmlns:a16="http://schemas.microsoft.com/office/drawing/2014/main" id="{C7D9942E-1CCC-87B5-3930-B76642F2ABBD}"/>
+              </a:ext>
+            </a:extLst>
+          </p:cNvPr>
+          <p:cNvSpPr txBox="1"/>
+          <p:nvPr/>
+        </p:nvSpPr>
+        <p:spPr>
+          <a:xfrm>
+            <a:off x="6823813" y="2382957"/>
+            <a:ext cx="3641436" cy="461665"/>
+          </a:xfrm>
+          <a:prstGeom prst="rect">
+            <a:avLst/>
+          </a:prstGeom>
+          <a:noFill/>
+        </p:spPr>
+        <p:txBody>
+          <a:bodyPr wrap="square" rtlCol="0">
+            <a:spAutoFit/>
+          </a:bodyPr>
+          <a:lstStyle/>
+          <a:p>
+            <a:r>
+              <a:rPr lang="en-US" sz="2400" dirty="0"/>
+              <a:t>Distribution of Test Set</a:t>
+            </a:r>
+          </a:p>
+        </p:txBody>
+      </p:sp>
+      <p:sp>
+        <p:nvSpPr>
+          <p:cNvPr id="11" name="TextBox 10">
+            <a:extLst>
+              <a:ext uri="{FF2B5EF4-FFF2-40B4-BE49-F238E27FC236}">
+                <a16:creationId xmlns:a16="http://schemas.microsoft.com/office/drawing/2014/main" id="{7BB5E982-FFF2-47A3-DCEA-DA259883BC47}"/>
+              </a:ext>
+            </a:extLst>
+          </p:cNvPr>
+          <p:cNvSpPr txBox="1"/>
+          <p:nvPr/>
+        </p:nvSpPr>
+        <p:spPr>
+          <a:xfrm>
+            <a:off x="838200" y="1669843"/>
+            <a:ext cx="4645856" cy="523220"/>
+          </a:xfrm>
+          <a:prstGeom prst="rect">
+            <a:avLst/>
+          </a:prstGeom>
+          <a:noFill/>
+        </p:spPr>
+        <p:txBody>
+          <a:bodyPr wrap="square" rtlCol="0">
+            <a:spAutoFit/>
+          </a:bodyPr>
+          <a:lstStyle/>
+          <a:p>
+            <a:r>
+              <a:rPr lang="en-US" sz="2800" dirty="0"/>
+              <a:t>Stratified Sampling is used</a:t>
+            </a:r>
+          </a:p>
+        </p:txBody>
+      </p:sp>
+    </p:spTree>
+    <p:extLst>
+      <p:ext uri="{BB962C8B-B14F-4D97-AF65-F5344CB8AC3E}">
+        <p14:creationId xmlns:p14="http://schemas.microsoft.com/office/powerpoint/2010/main" val="892498841"/>
+      </p:ext>
+    </p:extLst>
+  </p:cSld>
+  <p:clrMapOvr>
+    <a:masterClrMapping/>
+  </p:clrMapOvr>
+</p:sld>
+</file>
+
+<file path=ppt/slides/slide8.xml><?xml version="1.0" encoding="utf-8"?>
+<p:sld xmlns:a="http://schemas.openxmlformats.org/drawingml/2006/main" xmlns:r="http://schemas.openxmlformats.org/officeDocument/2006/relationships" xmlns:p="http://schemas.openxmlformats.org/presentationml/2006/main">
+  <p:cSld>
+    <p:spTree>
+      <p:nvGrpSpPr>
+        <p:cNvPr id="1" name=""/>
+        <p:cNvGrpSpPr/>
+        <p:nvPr/>
+      </p:nvGrpSpPr>
+      <p:grpSpPr>
+        <a:xfrm>
+          <a:off x="0" y="0"/>
+          <a:ext cx="0" cy="0"/>
+          <a:chOff x="0" y="0"/>
+          <a:chExt cx="0" cy="0"/>
+        </a:xfrm>
+      </p:grpSpPr>
+      <p:sp>
+        <p:nvSpPr>
+          <p:cNvPr id="4" name="Title 1">
+            <a:extLst>
+              <a:ext uri="{FF2B5EF4-FFF2-40B4-BE49-F238E27FC236}">
                 <a16:creationId xmlns:a16="http://schemas.microsoft.com/office/drawing/2014/main" id="{65A059B4-036F-8A5A-7F86-38BB4E74A12A}"/>
               </a:ext>
             </a:extLst>
@@ -5167,15 +5988,7 @@
           <a:p>
             <a:r>
               <a:rPr lang="en-US" sz="2800" dirty="0"/>
-              <a:t>Accuracy and </a:t>
-            </a:r>
-            <a:r>
-              <a:rPr lang="en-US" sz="2800" dirty="0" err="1"/>
-              <a:t>Pricision</a:t>
-            </a:r>
-            <a:r>
-              <a:rPr lang="en-US" sz="2800" dirty="0"/>
-              <a:t> is not enough for highly imbalanced </a:t>
+              <a:t>Accuracy and Precision is not enough for highly imbalanced </a:t>
             </a:r>
           </a:p>
           <a:p>
@@ -5199,7 +6012,7 @@
             </p:nvSpPr>
             <p:spPr>
               <a:xfrm>
-                <a:off x="6705602" y="2754396"/>
+                <a:off x="6446522" y="2292578"/>
                 <a:ext cx="3895297" cy="400174"/>
               </a:xfrm>
               <a:prstGeom prst="rect">
@@ -5213,7 +6026,6 @@
               </a:bodyPr>
               <a:lstStyle/>
               <a:p>
-                <a:pPr/>
                 <a14:m>
                   <m:oMath xmlns:m="http://schemas.openxmlformats.org/officeDocument/2006/math">
                     <m:r>
@@ -5365,7 +6177,7 @@
             </p:nvSpPr>
             <p:spPr>
               <a:xfrm>
-                <a:off x="6705602" y="2754396"/>
+                <a:off x="6446522" y="2292578"/>
                 <a:ext cx="3895297" cy="400174"/>
               </a:xfrm>
               <a:prstGeom prst="rect">
@@ -5374,7 +6186,7 @@
               <a:blipFill>
                 <a:blip r:embed="rId2"/>
                 <a:stretch>
-                  <a:fillRect l="-782" b="-15385"/>
+                  <a:fillRect l="-940" b="-13636"/>
                 </a:stretch>
               </a:blipFill>
             </p:spPr>
@@ -5439,7 +6251,7 @@
             </p:nvSpPr>
             <p:spPr>
               <a:xfrm>
-                <a:off x="6705601" y="3659622"/>
+                <a:off x="6446521" y="3197804"/>
                 <a:ext cx="4785359" cy="617348"/>
               </a:xfrm>
               <a:prstGeom prst="rect">
@@ -5601,7 +6413,7 @@
             </p:nvSpPr>
             <p:spPr>
               <a:xfrm>
-                <a:off x="6705601" y="3659622"/>
+                <a:off x="6446521" y="3197804"/>
                 <a:ext cx="4785359" cy="617348"/>
               </a:xfrm>
               <a:prstGeom prst="rect">
@@ -5645,7 +6457,7 @@
             </p:nvSpPr>
             <p:spPr>
               <a:xfrm>
-                <a:off x="6705602" y="4657181"/>
+                <a:off x="6446522" y="4195363"/>
                 <a:ext cx="4846318" cy="615490"/>
               </a:xfrm>
               <a:prstGeom prst="rect">
@@ -5800,7 +6612,7 @@
             </p:nvSpPr>
             <p:spPr>
               <a:xfrm>
-                <a:off x="6705602" y="4657181"/>
+                <a:off x="6446522" y="4195363"/>
                 <a:ext cx="4846318" cy="615490"/>
               </a:xfrm>
               <a:prstGeom prst="rect">
@@ -5844,7 +6656,7 @@
             </p:nvSpPr>
             <p:spPr>
               <a:xfrm>
-                <a:off x="6705602" y="5654740"/>
+                <a:off x="6446522" y="5192922"/>
                 <a:ext cx="4907278" cy="623056"/>
               </a:xfrm>
               <a:prstGeom prst="rect">
@@ -6029,7 +6841,7 @@
             </p:nvSpPr>
             <p:spPr>
               <a:xfrm>
-                <a:off x="6705602" y="5654740"/>
+                <a:off x="6446522" y="5192922"/>
                 <a:ext cx="4907278" cy="623056"/>
               </a:xfrm>
               <a:prstGeom prst="rect">
@@ -6070,479 +6882,6 @@
 </p:sld>
 </file>
 
-<file path=ppt/slides/slide8.xml><?xml version="1.0" encoding="utf-8"?>
-<p:sld xmlns:a="http://schemas.openxmlformats.org/drawingml/2006/main" xmlns:r="http://schemas.openxmlformats.org/officeDocument/2006/relationships" xmlns:p="http://schemas.openxmlformats.org/presentationml/2006/main">
-  <p:cSld>
-    <p:spTree>
-      <p:nvGrpSpPr>
-        <p:cNvPr id="1" name=""/>
-        <p:cNvGrpSpPr/>
-        <p:nvPr/>
-      </p:nvGrpSpPr>
-      <p:grpSpPr>
-        <a:xfrm>
-          <a:off x="0" y="0"/>
-          <a:ext cx="0" cy="0"/>
-          <a:chOff x="0" y="0"/>
-          <a:chExt cx="0" cy="0"/>
-        </a:xfrm>
-      </p:grpSpPr>
-      <p:sp>
-        <p:nvSpPr>
-          <p:cNvPr id="6" name="Title 1">
-            <a:extLst>
-              <a:ext uri="{FF2B5EF4-FFF2-40B4-BE49-F238E27FC236}">
-                <a16:creationId xmlns:a16="http://schemas.microsoft.com/office/drawing/2014/main" id="{21895811-07C8-3CC8-38F6-B709B76AB4C7}"/>
-              </a:ext>
-            </a:extLst>
-          </p:cNvPr>
-          <p:cNvSpPr>
-            <a:spLocks noGrp="1"/>
-          </p:cNvSpPr>
-          <p:nvPr>
-            <p:ph type="title"/>
-          </p:nvPr>
-        </p:nvSpPr>
-        <p:spPr>
-          <a:xfrm>
-            <a:off x="838200" y="365125"/>
-            <a:ext cx="10515600" cy="1325563"/>
-          </a:xfrm>
-        </p:spPr>
-        <p:txBody>
-          <a:bodyPr>
-            <a:normAutofit/>
-          </a:bodyPr>
-          <a:lstStyle/>
-          <a:p>
-            <a:pPr marL="0" algn="l" rtl="0" eaLnBrk="1" latinLnBrk="0" hangingPunct="1">
-              <a:spcBef>
-                <a:spcPts val="0"/>
-              </a:spcBef>
-              <a:spcAft>
-                <a:spcPts val="0"/>
-              </a:spcAft>
-            </a:pPr>
-            <a:r>
-              <a:rPr lang="en-US" sz="3200" b="1" kern="1200" dirty="0">
-                <a:solidFill>
-                  <a:srgbClr val="000000"/>
-                </a:solidFill>
-                <a:effectLst/>
-                <a:latin typeface="Calibri" panose="020F0502020204030204" pitchFamily="34" charset="0"/>
-                <a:ea typeface="+mn-ea"/>
-                <a:cs typeface="+mn-cs"/>
-              </a:rPr>
-              <a:t>Convert Categorical Features</a:t>
-            </a:r>
-            <a:endParaRPr lang="en-US" sz="3200" b="1" dirty="0">
-              <a:effectLst/>
-            </a:endParaRPr>
-          </a:p>
-        </p:txBody>
-      </p:sp>
-      <p:sp>
-        <p:nvSpPr>
-          <p:cNvPr id="7" name="TextBox 6">
-            <a:extLst>
-              <a:ext uri="{FF2B5EF4-FFF2-40B4-BE49-F238E27FC236}">
-                <a16:creationId xmlns:a16="http://schemas.microsoft.com/office/drawing/2014/main" id="{F9AE7709-D6EC-0254-AB4F-90815E5F27B0}"/>
-              </a:ext>
-            </a:extLst>
-          </p:cNvPr>
-          <p:cNvSpPr txBox="1"/>
-          <p:nvPr/>
-        </p:nvSpPr>
-        <p:spPr>
-          <a:xfrm>
-            <a:off x="838200" y="1429078"/>
-            <a:ext cx="3154680" cy="523220"/>
-          </a:xfrm>
-          <a:prstGeom prst="rect">
-            <a:avLst/>
-          </a:prstGeom>
-          <a:noFill/>
-        </p:spPr>
-        <p:txBody>
-          <a:bodyPr wrap="square" rtlCol="0">
-            <a:spAutoFit/>
-          </a:bodyPr>
-          <a:lstStyle/>
-          <a:p>
-            <a:r>
-              <a:rPr lang="en-US" sz="2800" dirty="0"/>
-              <a:t>One Hot Encoding</a:t>
-            </a:r>
-          </a:p>
-        </p:txBody>
-      </p:sp>
-      <p:pic>
-        <p:nvPicPr>
-          <p:cNvPr id="10" name="Picture 9">
-            <a:extLst>
-              <a:ext uri="{FF2B5EF4-FFF2-40B4-BE49-F238E27FC236}">
-                <a16:creationId xmlns:a16="http://schemas.microsoft.com/office/drawing/2014/main" id="{AB951F9F-672B-338F-28CF-854C280701B8}"/>
-              </a:ext>
-            </a:extLst>
-          </p:cNvPr>
-          <p:cNvPicPr>
-            <a:picLocks noChangeAspect="1"/>
-          </p:cNvPicPr>
-          <p:nvPr/>
-        </p:nvPicPr>
-        <p:blipFill>
-          <a:blip r:embed="rId2"/>
-          <a:stretch>
-            <a:fillRect/>
-          </a:stretch>
-        </p:blipFill>
-        <p:spPr>
-          <a:xfrm>
-            <a:off x="838199" y="2155121"/>
-            <a:ext cx="4479107" cy="1205299"/>
-          </a:xfrm>
-          <a:prstGeom prst="rect">
-            <a:avLst/>
-          </a:prstGeom>
-        </p:spPr>
-      </p:pic>
-      <p:sp>
-        <p:nvSpPr>
-          <p:cNvPr id="11" name="TextBox 10">
-            <a:extLst>
-              <a:ext uri="{FF2B5EF4-FFF2-40B4-BE49-F238E27FC236}">
-                <a16:creationId xmlns:a16="http://schemas.microsoft.com/office/drawing/2014/main" id="{795F1273-5730-2352-67F2-F77CEBB44110}"/>
-              </a:ext>
-            </a:extLst>
-          </p:cNvPr>
-          <p:cNvSpPr txBox="1"/>
-          <p:nvPr/>
-        </p:nvSpPr>
-        <p:spPr>
-          <a:xfrm>
-            <a:off x="838200" y="3719698"/>
-            <a:ext cx="3154680" cy="523220"/>
-          </a:xfrm>
-          <a:prstGeom prst="rect">
-            <a:avLst/>
-          </a:prstGeom>
-          <a:noFill/>
-        </p:spPr>
-        <p:txBody>
-          <a:bodyPr wrap="square" rtlCol="0">
-            <a:spAutoFit/>
-          </a:bodyPr>
-          <a:lstStyle/>
-          <a:p>
-            <a:pPr marL="0" algn="l" rtl="0" eaLnBrk="1" latinLnBrk="0" hangingPunct="1">
-              <a:spcBef>
-                <a:spcPts val="0"/>
-              </a:spcBef>
-              <a:spcAft>
-                <a:spcPts val="0"/>
-              </a:spcAft>
-            </a:pPr>
-            <a:r>
-              <a:rPr lang="en-US" sz="2800" kern="1200" dirty="0">
-                <a:solidFill>
-                  <a:srgbClr val="000000"/>
-                </a:solidFill>
-                <a:effectLst/>
-                <a:latin typeface="Calibri" panose="020F0502020204030204" pitchFamily="34" charset="0"/>
-                <a:ea typeface="+mn-ea"/>
-                <a:cs typeface="+mn-cs"/>
-              </a:rPr>
-              <a:t>Ordinal Encoding</a:t>
-            </a:r>
-            <a:endParaRPr lang="en-US" sz="2800" dirty="0">
-              <a:effectLst/>
-            </a:endParaRPr>
-          </a:p>
-        </p:txBody>
-      </p:sp>
-      <p:sp>
-        <p:nvSpPr>
-          <p:cNvPr id="12" name="TextBox 11">
-            <a:extLst>
-              <a:ext uri="{FF2B5EF4-FFF2-40B4-BE49-F238E27FC236}">
-                <a16:creationId xmlns:a16="http://schemas.microsoft.com/office/drawing/2014/main" id="{6BFC18FE-4FA1-97B1-1C34-0703C144C84A}"/>
-              </a:ext>
-            </a:extLst>
-          </p:cNvPr>
-          <p:cNvSpPr txBox="1"/>
-          <p:nvPr/>
-        </p:nvSpPr>
-        <p:spPr>
-          <a:xfrm>
-            <a:off x="6621782" y="1434746"/>
-            <a:ext cx="3154680" cy="523220"/>
-          </a:xfrm>
-          <a:prstGeom prst="rect">
-            <a:avLst/>
-          </a:prstGeom>
-          <a:noFill/>
-        </p:spPr>
-        <p:txBody>
-          <a:bodyPr wrap="square" rtlCol="0">
-            <a:spAutoFit/>
-          </a:bodyPr>
-          <a:lstStyle/>
-          <a:p>
-            <a:pPr marL="0" algn="l" rtl="0" eaLnBrk="1" latinLnBrk="0" hangingPunct="1">
-              <a:spcBef>
-                <a:spcPts val="0"/>
-              </a:spcBef>
-              <a:spcAft>
-                <a:spcPts val="0"/>
-              </a:spcAft>
-            </a:pPr>
-            <a:r>
-              <a:rPr lang="en-US" sz="2800" kern="1200" dirty="0">
-                <a:solidFill>
-                  <a:srgbClr val="000000"/>
-                </a:solidFill>
-                <a:effectLst/>
-                <a:latin typeface="Calibri" panose="020F0502020204030204" pitchFamily="34" charset="0"/>
-                <a:ea typeface="+mn-ea"/>
-                <a:cs typeface="+mn-cs"/>
-              </a:rPr>
-              <a:t>Label Encoding</a:t>
-            </a:r>
-            <a:endParaRPr lang="en-US" sz="2800" dirty="0">
-              <a:effectLst/>
-            </a:endParaRPr>
-          </a:p>
-        </p:txBody>
-      </p:sp>
-      <p:pic>
-        <p:nvPicPr>
-          <p:cNvPr id="14" name="Picture 13">
-            <a:extLst>
-              <a:ext uri="{FF2B5EF4-FFF2-40B4-BE49-F238E27FC236}">
-                <a16:creationId xmlns:a16="http://schemas.microsoft.com/office/drawing/2014/main" id="{2B99E8FE-B03E-F002-FC12-A31EB99B7E0F}"/>
-              </a:ext>
-            </a:extLst>
-          </p:cNvPr>
-          <p:cNvPicPr>
-            <a:picLocks noChangeAspect="1"/>
-          </p:cNvPicPr>
-          <p:nvPr/>
-        </p:nvPicPr>
-        <p:blipFill>
-          <a:blip r:embed="rId3"/>
-          <a:stretch>
-            <a:fillRect/>
-          </a:stretch>
-        </p:blipFill>
-        <p:spPr>
-          <a:xfrm>
-            <a:off x="644366" y="4443819"/>
-            <a:ext cx="2964180" cy="1411980"/>
-          </a:xfrm>
-          <a:prstGeom prst="rect">
-            <a:avLst/>
-          </a:prstGeom>
-        </p:spPr>
-      </p:pic>
-      <p:sp>
-        <p:nvSpPr>
-          <p:cNvPr id="16" name="Rectangle 15">
-            <a:extLst>
-              <a:ext uri="{FF2B5EF4-FFF2-40B4-BE49-F238E27FC236}">
-                <a16:creationId xmlns:a16="http://schemas.microsoft.com/office/drawing/2014/main" id="{2640C114-B3DE-E16E-AFB2-BEAE87085425}"/>
-              </a:ext>
-            </a:extLst>
-          </p:cNvPr>
-          <p:cNvSpPr/>
-          <p:nvPr/>
-        </p:nvSpPr>
-        <p:spPr>
-          <a:xfrm>
-            <a:off x="1818717" y="5230087"/>
-            <a:ext cx="450057" cy="397669"/>
-          </a:xfrm>
-          <a:prstGeom prst="rect">
-            <a:avLst/>
-          </a:prstGeom>
-          <a:solidFill>
-            <a:schemeClr val="bg1"/>
-          </a:solidFill>
-          <a:ln>
-            <a:noFill/>
-          </a:ln>
-        </p:spPr>
-        <p:style>
-          <a:lnRef idx="2">
-            <a:schemeClr val="accent1">
-              <a:shade val="15000"/>
-            </a:schemeClr>
-          </a:lnRef>
-          <a:fillRef idx="1">
-            <a:schemeClr val="accent1"/>
-          </a:fillRef>
-          <a:effectRef idx="0">
-            <a:schemeClr val="accent1"/>
-          </a:effectRef>
-          <a:fontRef idx="minor">
-            <a:schemeClr val="lt1"/>
-          </a:fontRef>
-        </p:style>
-        <p:txBody>
-          <a:bodyPr rtlCol="0" anchor="ctr"/>
-          <a:lstStyle/>
-          <a:p>
-            <a:pPr algn="ctr"/>
-            <a:endParaRPr lang="en-US"/>
-          </a:p>
-        </p:txBody>
-      </p:sp>
-      <p:sp>
-        <p:nvSpPr>
-          <p:cNvPr id="18" name="Rectangle 17">
-            <a:extLst>
-              <a:ext uri="{FF2B5EF4-FFF2-40B4-BE49-F238E27FC236}">
-                <a16:creationId xmlns:a16="http://schemas.microsoft.com/office/drawing/2014/main" id="{418462B6-C4AB-DDAC-9D69-F86BA98F8B91}"/>
-              </a:ext>
-            </a:extLst>
-          </p:cNvPr>
-          <p:cNvSpPr/>
-          <p:nvPr/>
-        </p:nvSpPr>
-        <p:spPr>
-          <a:xfrm>
-            <a:off x="1882218" y="2153199"/>
-            <a:ext cx="323056" cy="289182"/>
-          </a:xfrm>
-          <a:prstGeom prst="rect">
-            <a:avLst/>
-          </a:prstGeom>
-          <a:solidFill>
-            <a:schemeClr val="bg1"/>
-          </a:solidFill>
-          <a:ln>
-            <a:noFill/>
-          </a:ln>
-        </p:spPr>
-        <p:style>
-          <a:lnRef idx="2">
-            <a:schemeClr val="accent1">
-              <a:shade val="15000"/>
-            </a:schemeClr>
-          </a:lnRef>
-          <a:fillRef idx="1">
-            <a:schemeClr val="accent1"/>
-          </a:fillRef>
-          <a:effectRef idx="0">
-            <a:schemeClr val="accent1"/>
-          </a:effectRef>
-          <a:fontRef idx="minor">
-            <a:schemeClr val="lt1"/>
-          </a:fontRef>
-        </p:style>
-        <p:txBody>
-          <a:bodyPr rtlCol="0" anchor="ctr"/>
-          <a:lstStyle/>
-          <a:p>
-            <a:pPr algn="ctr"/>
-            <a:endParaRPr lang="en-US" dirty="0"/>
-          </a:p>
-        </p:txBody>
-      </p:sp>
-      <p:pic>
-        <p:nvPicPr>
-          <p:cNvPr id="20" name="Picture 19">
-            <a:extLst>
-              <a:ext uri="{FF2B5EF4-FFF2-40B4-BE49-F238E27FC236}">
-                <a16:creationId xmlns:a16="http://schemas.microsoft.com/office/drawing/2014/main" id="{A6358226-901A-5F48-969C-A14045445FC0}"/>
-              </a:ext>
-            </a:extLst>
-          </p:cNvPr>
-          <p:cNvPicPr>
-            <a:picLocks noChangeAspect="1"/>
-          </p:cNvPicPr>
-          <p:nvPr/>
-        </p:nvPicPr>
-        <p:blipFill>
-          <a:blip r:embed="rId4"/>
-          <a:stretch>
-            <a:fillRect/>
-          </a:stretch>
-        </p:blipFill>
-        <p:spPr>
-          <a:xfrm>
-            <a:off x="6562523" y="2155120"/>
-            <a:ext cx="2619577" cy="1362931"/>
-          </a:xfrm>
-          <a:prstGeom prst="rect">
-            <a:avLst/>
-          </a:prstGeom>
-        </p:spPr>
-      </p:pic>
-      <p:sp>
-        <p:nvSpPr>
-          <p:cNvPr id="21" name="Rectangle 20">
-            <a:extLst>
-              <a:ext uri="{FF2B5EF4-FFF2-40B4-BE49-F238E27FC236}">
-                <a16:creationId xmlns:a16="http://schemas.microsoft.com/office/drawing/2014/main" id="{7D87D4AE-0D54-D5F8-1E68-C72CC8729F5E}"/>
-              </a:ext>
-            </a:extLst>
-          </p:cNvPr>
-          <p:cNvSpPr/>
-          <p:nvPr/>
-        </p:nvSpPr>
-        <p:spPr>
-          <a:xfrm>
-            <a:off x="7433684" y="2892605"/>
-            <a:ext cx="450057" cy="397669"/>
-          </a:xfrm>
-          <a:prstGeom prst="rect">
-            <a:avLst/>
-          </a:prstGeom>
-          <a:solidFill>
-            <a:schemeClr val="bg1"/>
-          </a:solidFill>
-          <a:ln>
-            <a:noFill/>
-          </a:ln>
-        </p:spPr>
-        <p:style>
-          <a:lnRef idx="2">
-            <a:schemeClr val="accent1">
-              <a:shade val="15000"/>
-            </a:schemeClr>
-          </a:lnRef>
-          <a:fillRef idx="1">
-            <a:schemeClr val="accent1"/>
-          </a:fillRef>
-          <a:effectRef idx="0">
-            <a:schemeClr val="accent1"/>
-          </a:effectRef>
-          <a:fontRef idx="minor">
-            <a:schemeClr val="lt1"/>
-          </a:fontRef>
-        </p:style>
-        <p:txBody>
-          <a:bodyPr rtlCol="0" anchor="ctr"/>
-          <a:lstStyle/>
-          <a:p>
-            <a:pPr algn="ctr"/>
-            <a:endParaRPr lang="en-US"/>
-          </a:p>
-        </p:txBody>
-      </p:sp>
-    </p:spTree>
-    <p:extLst>
-      <p:ext uri="{BB962C8B-B14F-4D97-AF65-F5344CB8AC3E}">
-        <p14:creationId xmlns:p14="http://schemas.microsoft.com/office/powerpoint/2010/main" val="4275756702"/>
-      </p:ext>
-    </p:extLst>
-  </p:cSld>
-  <p:clrMapOvr>
-    <a:masterClrMapping/>
-  </p:clrMapOvr>
-</p:sld>
-</file>
-
 <file path=ppt/slides/slide9.xml><?xml version="1.0" encoding="utf-8"?>
 <p:sld xmlns:a="http://schemas.openxmlformats.org/drawingml/2006/main" xmlns:r="http://schemas.openxmlformats.org/officeDocument/2006/relationships" xmlns:p="http://schemas.openxmlformats.org/presentationml/2006/main">
   <p:cSld>
@@ -6562,10 +6901,10 @@
       </p:grpSpPr>
       <p:sp>
         <p:nvSpPr>
-          <p:cNvPr id="4" name="Title 1">
-            <a:extLst>
-              <a:ext uri="{FF2B5EF4-FFF2-40B4-BE49-F238E27FC236}">
-                <a16:creationId xmlns:a16="http://schemas.microsoft.com/office/drawing/2014/main" id="{916EA5CA-14B0-1DBF-7881-C71781FBD1AA}"/>
+          <p:cNvPr id="6" name="Title 1">
+            <a:extLst>
+              <a:ext uri="{FF2B5EF4-FFF2-40B4-BE49-F238E27FC236}">
+                <a16:creationId xmlns:a16="http://schemas.microsoft.com/office/drawing/2014/main" id="{21895811-07C8-3CC8-38F6-B709B76AB4C7}"/>
               </a:ext>
             </a:extLst>
           </p:cNvPr>
@@ -6606,10 +6945,117 @@
                 <a:ea typeface="+mn-ea"/>
                 <a:cs typeface="+mn-cs"/>
               </a:rPr>
-              <a:t>How </a:t>
-            </a:r>
-            <a:r>
-              <a:rPr lang="en-US" sz="3200" b="1" kern="1200" dirty="0" err="1">
+              <a:t>Convert Categorical Features</a:t>
+            </a:r>
+            <a:endParaRPr lang="en-US" sz="3200" b="1" dirty="0">
+              <a:effectLst/>
+            </a:endParaRPr>
+          </a:p>
+        </p:txBody>
+      </p:sp>
+      <p:sp>
+        <p:nvSpPr>
+          <p:cNvPr id="7" name="TextBox 6">
+            <a:extLst>
+              <a:ext uri="{FF2B5EF4-FFF2-40B4-BE49-F238E27FC236}">
+                <a16:creationId xmlns:a16="http://schemas.microsoft.com/office/drawing/2014/main" id="{F9AE7709-D6EC-0254-AB4F-90815E5F27B0}"/>
+              </a:ext>
+            </a:extLst>
+          </p:cNvPr>
+          <p:cNvSpPr txBox="1"/>
+          <p:nvPr/>
+        </p:nvSpPr>
+        <p:spPr>
+          <a:xfrm>
+            <a:off x="838200" y="1429078"/>
+            <a:ext cx="3154680" cy="523220"/>
+          </a:xfrm>
+          <a:prstGeom prst="rect">
+            <a:avLst/>
+          </a:prstGeom>
+          <a:noFill/>
+        </p:spPr>
+        <p:txBody>
+          <a:bodyPr wrap="square" rtlCol="0">
+            <a:spAutoFit/>
+          </a:bodyPr>
+          <a:lstStyle/>
+          <a:p>
+            <a:r>
+              <a:rPr lang="en-US" sz="2800" dirty="0"/>
+              <a:t>One Hot Encoding</a:t>
+            </a:r>
+          </a:p>
+        </p:txBody>
+      </p:sp>
+      <p:pic>
+        <p:nvPicPr>
+          <p:cNvPr id="10" name="Picture 9">
+            <a:extLst>
+              <a:ext uri="{FF2B5EF4-FFF2-40B4-BE49-F238E27FC236}">
+                <a16:creationId xmlns:a16="http://schemas.microsoft.com/office/drawing/2014/main" id="{AB951F9F-672B-338F-28CF-854C280701B8}"/>
+              </a:ext>
+            </a:extLst>
+          </p:cNvPr>
+          <p:cNvPicPr>
+            <a:picLocks noChangeAspect="1"/>
+          </p:cNvPicPr>
+          <p:nvPr/>
+        </p:nvPicPr>
+        <p:blipFill>
+          <a:blip r:embed="rId2"/>
+          <a:stretch>
+            <a:fillRect/>
+          </a:stretch>
+        </p:blipFill>
+        <p:spPr>
+          <a:xfrm>
+            <a:off x="838199" y="2155121"/>
+            <a:ext cx="4479107" cy="1205299"/>
+          </a:xfrm>
+          <a:prstGeom prst="rect">
+            <a:avLst/>
+          </a:prstGeom>
+        </p:spPr>
+      </p:pic>
+      <p:sp>
+        <p:nvSpPr>
+          <p:cNvPr id="11" name="TextBox 10">
+            <a:extLst>
+              <a:ext uri="{FF2B5EF4-FFF2-40B4-BE49-F238E27FC236}">
+                <a16:creationId xmlns:a16="http://schemas.microsoft.com/office/drawing/2014/main" id="{795F1273-5730-2352-67F2-F77CEBB44110}"/>
+              </a:ext>
+            </a:extLst>
+          </p:cNvPr>
+          <p:cNvSpPr txBox="1"/>
+          <p:nvPr/>
+        </p:nvSpPr>
+        <p:spPr>
+          <a:xfrm>
+            <a:off x="838200" y="3719698"/>
+            <a:ext cx="3154680" cy="523220"/>
+          </a:xfrm>
+          <a:prstGeom prst="rect">
+            <a:avLst/>
+          </a:prstGeom>
+          <a:noFill/>
+        </p:spPr>
+        <p:txBody>
+          <a:bodyPr wrap="square" rtlCol="0">
+            <a:spAutoFit/>
+          </a:bodyPr>
+          <a:lstStyle/>
+          <a:p>
+            <a:pPr marL="0" algn="l" rtl="0" eaLnBrk="1" latinLnBrk="0" hangingPunct="1">
+              <a:spcBef>
+                <a:spcPts val="0"/>
+              </a:spcBef>
+              <a:spcAft>
+                <a:spcPts val="0"/>
+              </a:spcAft>
+            </a:pPr>
+            <a:r>
+              <a:rPr lang="en-US" sz="2800" kern="1200" dirty="0">
                 <a:solidFill>
                   <a:srgbClr val="000000"/>
                 </a:solidFill>
@@ -6618,10 +7064,52 @@
                 <a:ea typeface="+mn-ea"/>
                 <a:cs typeface="+mn-cs"/>
               </a:rPr>
-              <a:t>XGBoost</a:t>
-            </a:r>
-            <a:r>
-              <a:rPr lang="en-US" sz="3200" b="1" kern="1200" dirty="0">
+              <a:t>Ordinal Encoding</a:t>
+            </a:r>
+            <a:endParaRPr lang="en-US" sz="2800" dirty="0">
+              <a:effectLst/>
+            </a:endParaRPr>
+          </a:p>
+        </p:txBody>
+      </p:sp>
+      <p:sp>
+        <p:nvSpPr>
+          <p:cNvPr id="12" name="TextBox 11">
+            <a:extLst>
+              <a:ext uri="{FF2B5EF4-FFF2-40B4-BE49-F238E27FC236}">
+                <a16:creationId xmlns:a16="http://schemas.microsoft.com/office/drawing/2014/main" id="{6BFC18FE-4FA1-97B1-1C34-0703C144C84A}"/>
+              </a:ext>
+            </a:extLst>
+          </p:cNvPr>
+          <p:cNvSpPr txBox="1"/>
+          <p:nvPr/>
+        </p:nvSpPr>
+        <p:spPr>
+          <a:xfrm>
+            <a:off x="6621782" y="1434746"/>
+            <a:ext cx="3154680" cy="523220"/>
+          </a:xfrm>
+          <a:prstGeom prst="rect">
+            <a:avLst/>
+          </a:prstGeom>
+          <a:noFill/>
+        </p:spPr>
+        <p:txBody>
+          <a:bodyPr wrap="square" rtlCol="0">
+            <a:spAutoFit/>
+          </a:bodyPr>
+          <a:lstStyle/>
+          <a:p>
+            <a:pPr marL="0" algn="l" rtl="0" eaLnBrk="1" latinLnBrk="0" hangingPunct="1">
+              <a:spcBef>
+                <a:spcPts val="0"/>
+              </a:spcBef>
+              <a:spcAft>
+                <a:spcPts val="0"/>
+              </a:spcAft>
+            </a:pPr>
+            <a:r>
+              <a:rPr lang="en-US" sz="2800" kern="1200" dirty="0">
                 <a:solidFill>
                   <a:srgbClr val="000000"/>
                 </a:solidFill>
@@ -6630,20 +7118,236 @@
                 <a:ea typeface="+mn-ea"/>
                 <a:cs typeface="+mn-cs"/>
               </a:rPr>
-              <a:t> Works ?</a:t>
-            </a:r>
-            <a:endParaRPr lang="en-US" sz="3200" b="1" dirty="0">
+              <a:t>Label Encoding</a:t>
+            </a:r>
+            <a:endParaRPr lang="en-US" sz="2800" dirty="0">
               <a:effectLst/>
             </a:endParaRPr>
           </a:p>
         </p:txBody>
       </p:sp>
-      <p:sp>
-        <p:nvSpPr>
-          <p:cNvPr id="5" name="TextBox 4">
-            <a:extLst>
-              <a:ext uri="{FF2B5EF4-FFF2-40B4-BE49-F238E27FC236}">
-                <a16:creationId xmlns:a16="http://schemas.microsoft.com/office/drawing/2014/main" id="{4B17E96B-4DB9-0FE5-391C-19E9AA8F9E25}"/>
+      <p:pic>
+        <p:nvPicPr>
+          <p:cNvPr id="14" name="Picture 13">
+            <a:extLst>
+              <a:ext uri="{FF2B5EF4-FFF2-40B4-BE49-F238E27FC236}">
+                <a16:creationId xmlns:a16="http://schemas.microsoft.com/office/drawing/2014/main" id="{2B99E8FE-B03E-F002-FC12-A31EB99B7E0F}"/>
+              </a:ext>
+            </a:extLst>
+          </p:cNvPr>
+          <p:cNvPicPr>
+            <a:picLocks noChangeAspect="1"/>
+          </p:cNvPicPr>
+          <p:nvPr/>
+        </p:nvPicPr>
+        <p:blipFill>
+          <a:blip r:embed="rId3"/>
+          <a:stretch>
+            <a:fillRect/>
+          </a:stretch>
+        </p:blipFill>
+        <p:spPr>
+          <a:xfrm>
+            <a:off x="644366" y="4443819"/>
+            <a:ext cx="2964180" cy="1411980"/>
+          </a:xfrm>
+          <a:prstGeom prst="rect">
+            <a:avLst/>
+          </a:prstGeom>
+        </p:spPr>
+      </p:pic>
+      <p:sp>
+        <p:nvSpPr>
+          <p:cNvPr id="16" name="Rectangle 15">
+            <a:extLst>
+              <a:ext uri="{FF2B5EF4-FFF2-40B4-BE49-F238E27FC236}">
+                <a16:creationId xmlns:a16="http://schemas.microsoft.com/office/drawing/2014/main" id="{2640C114-B3DE-E16E-AFB2-BEAE87085425}"/>
+              </a:ext>
+            </a:extLst>
+          </p:cNvPr>
+          <p:cNvSpPr/>
+          <p:nvPr/>
+        </p:nvSpPr>
+        <p:spPr>
+          <a:xfrm>
+            <a:off x="1818717" y="5230087"/>
+            <a:ext cx="450057" cy="397669"/>
+          </a:xfrm>
+          <a:prstGeom prst="rect">
+            <a:avLst/>
+          </a:prstGeom>
+          <a:solidFill>
+            <a:schemeClr val="bg1"/>
+          </a:solidFill>
+          <a:ln>
+            <a:noFill/>
+          </a:ln>
+        </p:spPr>
+        <p:style>
+          <a:lnRef idx="2">
+            <a:schemeClr val="accent1">
+              <a:shade val="15000"/>
+            </a:schemeClr>
+          </a:lnRef>
+          <a:fillRef idx="1">
+            <a:schemeClr val="accent1"/>
+          </a:fillRef>
+          <a:effectRef idx="0">
+            <a:schemeClr val="accent1"/>
+          </a:effectRef>
+          <a:fontRef idx="minor">
+            <a:schemeClr val="lt1"/>
+          </a:fontRef>
+        </p:style>
+        <p:txBody>
+          <a:bodyPr rtlCol="0" anchor="ctr"/>
+          <a:lstStyle/>
+          <a:p>
+            <a:pPr algn="ctr"/>
+            <a:endParaRPr lang="en-US"/>
+          </a:p>
+        </p:txBody>
+      </p:sp>
+      <p:sp>
+        <p:nvSpPr>
+          <p:cNvPr id="18" name="Rectangle 17">
+            <a:extLst>
+              <a:ext uri="{FF2B5EF4-FFF2-40B4-BE49-F238E27FC236}">
+                <a16:creationId xmlns:a16="http://schemas.microsoft.com/office/drawing/2014/main" id="{418462B6-C4AB-DDAC-9D69-F86BA98F8B91}"/>
+              </a:ext>
+            </a:extLst>
+          </p:cNvPr>
+          <p:cNvSpPr/>
+          <p:nvPr/>
+        </p:nvSpPr>
+        <p:spPr>
+          <a:xfrm>
+            <a:off x="1882218" y="2153199"/>
+            <a:ext cx="323056" cy="289182"/>
+          </a:xfrm>
+          <a:prstGeom prst="rect">
+            <a:avLst/>
+          </a:prstGeom>
+          <a:solidFill>
+            <a:schemeClr val="bg1"/>
+          </a:solidFill>
+          <a:ln>
+            <a:noFill/>
+          </a:ln>
+        </p:spPr>
+        <p:style>
+          <a:lnRef idx="2">
+            <a:schemeClr val="accent1">
+              <a:shade val="15000"/>
+            </a:schemeClr>
+          </a:lnRef>
+          <a:fillRef idx="1">
+            <a:schemeClr val="accent1"/>
+          </a:fillRef>
+          <a:effectRef idx="0">
+            <a:schemeClr val="accent1"/>
+          </a:effectRef>
+          <a:fontRef idx="minor">
+            <a:schemeClr val="lt1"/>
+          </a:fontRef>
+        </p:style>
+        <p:txBody>
+          <a:bodyPr rtlCol="0" anchor="ctr"/>
+          <a:lstStyle/>
+          <a:p>
+            <a:pPr algn="ctr"/>
+            <a:endParaRPr lang="en-US" dirty="0"/>
+          </a:p>
+        </p:txBody>
+      </p:sp>
+      <p:pic>
+        <p:nvPicPr>
+          <p:cNvPr id="20" name="Picture 19">
+            <a:extLst>
+              <a:ext uri="{FF2B5EF4-FFF2-40B4-BE49-F238E27FC236}">
+                <a16:creationId xmlns:a16="http://schemas.microsoft.com/office/drawing/2014/main" id="{A6358226-901A-5F48-969C-A14045445FC0}"/>
+              </a:ext>
+            </a:extLst>
+          </p:cNvPr>
+          <p:cNvPicPr>
+            <a:picLocks noChangeAspect="1"/>
+          </p:cNvPicPr>
+          <p:nvPr/>
+        </p:nvPicPr>
+        <p:blipFill>
+          <a:blip r:embed="rId4"/>
+          <a:stretch>
+            <a:fillRect/>
+          </a:stretch>
+        </p:blipFill>
+        <p:spPr>
+          <a:xfrm>
+            <a:off x="6562523" y="2155120"/>
+            <a:ext cx="2619577" cy="1362931"/>
+          </a:xfrm>
+          <a:prstGeom prst="rect">
+            <a:avLst/>
+          </a:prstGeom>
+        </p:spPr>
+      </p:pic>
+      <p:sp>
+        <p:nvSpPr>
+          <p:cNvPr id="21" name="Rectangle 20">
+            <a:extLst>
+              <a:ext uri="{FF2B5EF4-FFF2-40B4-BE49-F238E27FC236}">
+                <a16:creationId xmlns:a16="http://schemas.microsoft.com/office/drawing/2014/main" id="{7D87D4AE-0D54-D5F8-1E68-C72CC8729F5E}"/>
+              </a:ext>
+            </a:extLst>
+          </p:cNvPr>
+          <p:cNvSpPr/>
+          <p:nvPr/>
+        </p:nvSpPr>
+        <p:spPr>
+          <a:xfrm>
+            <a:off x="7433684" y="2892605"/>
+            <a:ext cx="450057" cy="397669"/>
+          </a:xfrm>
+          <a:prstGeom prst="rect">
+            <a:avLst/>
+          </a:prstGeom>
+          <a:solidFill>
+            <a:schemeClr val="bg1"/>
+          </a:solidFill>
+          <a:ln>
+            <a:noFill/>
+          </a:ln>
+        </p:spPr>
+        <p:style>
+          <a:lnRef idx="2">
+            <a:schemeClr val="accent1">
+              <a:shade val="15000"/>
+            </a:schemeClr>
+          </a:lnRef>
+          <a:fillRef idx="1">
+            <a:schemeClr val="accent1"/>
+          </a:fillRef>
+          <a:effectRef idx="0">
+            <a:schemeClr val="accent1"/>
+          </a:effectRef>
+          <a:fontRef idx="minor">
+            <a:schemeClr val="lt1"/>
+          </a:fontRef>
+        </p:style>
+        <p:txBody>
+          <a:bodyPr rtlCol="0" anchor="ctr"/>
+          <a:lstStyle/>
+          <a:p>
+            <a:pPr algn="ctr"/>
+            <a:endParaRPr lang="en-US"/>
+          </a:p>
+        </p:txBody>
+      </p:sp>
+      <p:sp>
+        <p:nvSpPr>
+          <p:cNvPr id="2" name="TextBox 1">
+            <a:extLst>
+              <a:ext uri="{FF2B5EF4-FFF2-40B4-BE49-F238E27FC236}">
+                <a16:creationId xmlns:a16="http://schemas.microsoft.com/office/drawing/2014/main" id="{B8F62F95-3A76-CC2A-1C47-AE3DECB37BFA}"/>
               </a:ext>
             </a:extLst>
           </p:cNvPr>
@@ -6652,8 +7356,8 @@
         </p:nvSpPr>
         <p:spPr>
           <a:xfrm>
-            <a:off x="1706208" y="5825490"/>
-            <a:ext cx="8779583" cy="369332"/>
+            <a:off x="1414662" y="6044692"/>
+            <a:ext cx="1258165" cy="369332"/>
           </a:xfrm>
           <a:prstGeom prst="rect">
             <a:avLst/>
@@ -6668,132 +7372,11 @@
           <a:p>
             <a:r>
               <a:rPr lang="en-US" dirty="0">
-                <a:hlinkClick r:id="rId2"/>
+                <a:solidFill>
+                  <a:srgbClr val="FF0000"/>
+                </a:solidFill>
               </a:rPr>
-              <a:t>https://drive.google.com/file/d/1Of2qEVidq0EjRgV-iBboI_vFyV3p7cHs/view?usp=drive_link</a:t>
-            </a:r>
-            <a:r>
-              <a:rPr lang="en-US" dirty="0"/>
-              <a:t> </a:t>
-            </a:r>
-          </a:p>
-        </p:txBody>
-      </p:sp>
-      <p:sp>
-        <p:nvSpPr>
-          <p:cNvPr id="6" name="TextBox 5">
-            <a:extLst>
-              <a:ext uri="{FF2B5EF4-FFF2-40B4-BE49-F238E27FC236}">
-                <a16:creationId xmlns:a16="http://schemas.microsoft.com/office/drawing/2014/main" id="{23B10A8B-4E57-D603-2DD7-05A6F7C2F3F6}"/>
-              </a:ext>
-            </a:extLst>
-          </p:cNvPr>
-          <p:cNvSpPr txBox="1"/>
-          <p:nvPr/>
-        </p:nvSpPr>
-        <p:spPr>
-          <a:xfrm>
-            <a:off x="1000125" y="1609725"/>
-            <a:ext cx="5738622" cy="3970318"/>
-          </a:xfrm>
-          <a:prstGeom prst="rect">
-            <a:avLst/>
-          </a:prstGeom>
-          <a:noFill/>
-        </p:spPr>
-        <p:txBody>
-          <a:bodyPr wrap="none" rtlCol="0">
-            <a:spAutoFit/>
-          </a:bodyPr>
-          <a:lstStyle/>
-          <a:p>
-            <a:pPr marL="514350" indent="-514350">
-              <a:buFont typeface="+mj-lt"/>
-              <a:buAutoNum type="arabicPeriod"/>
-            </a:pPr>
-            <a:r>
-              <a:rPr lang="en-US" sz="2800" dirty="0"/>
-              <a:t>Initialization</a:t>
-            </a:r>
-          </a:p>
-          <a:p>
-            <a:pPr marL="514350" indent="-514350">
-              <a:buFont typeface="+mj-lt"/>
-              <a:buAutoNum type="arabicPeriod"/>
-            </a:pPr>
-            <a:r>
-              <a:rPr lang="en-US" sz="2800" dirty="0"/>
-              <a:t>Calculate Residuals</a:t>
-            </a:r>
-          </a:p>
-          <a:p>
-            <a:pPr marL="514350" indent="-514350">
-              <a:buFont typeface="+mj-lt"/>
-              <a:buAutoNum type="arabicPeriod"/>
-            </a:pPr>
-            <a:r>
-              <a:rPr lang="en-US" sz="2800" dirty="0"/>
-              <a:t>Fit a Decision Tree</a:t>
-            </a:r>
-          </a:p>
-          <a:p>
-            <a:pPr marL="514350" indent="-514350">
-              <a:buFont typeface="+mj-lt"/>
-              <a:buAutoNum type="arabicPeriod"/>
-            </a:pPr>
-            <a:r>
-              <a:rPr lang="en-US" sz="2800" dirty="0"/>
-              <a:t>Calculate Similarity Score and Gain</a:t>
-            </a:r>
-          </a:p>
-          <a:p>
-            <a:pPr marL="514350" indent="-514350">
-              <a:buFont typeface="+mj-lt"/>
-              <a:buAutoNum type="arabicPeriod"/>
-            </a:pPr>
-            <a:r>
-              <a:rPr lang="en-US" sz="2800" dirty="0"/>
-              <a:t>Pruning</a:t>
-            </a:r>
-          </a:p>
-          <a:p>
-            <a:pPr marL="514350" indent="-514350">
-              <a:buFont typeface="+mj-lt"/>
-              <a:buAutoNum type="arabicPeriod"/>
-            </a:pPr>
-            <a:r>
-              <a:rPr lang="en-US" sz="2800" dirty="0"/>
-              <a:t>Calculate Leaf Weights/Outputs</a:t>
-            </a:r>
-          </a:p>
-          <a:p>
-            <a:pPr marL="514350" indent="-514350">
-              <a:buFont typeface="+mj-lt"/>
-              <a:buAutoNum type="arabicPeriod"/>
-            </a:pPr>
-            <a:r>
-              <a:rPr lang="en-US" sz="2800" dirty="0"/>
-              <a:t>Update Predictions</a:t>
-            </a:r>
-          </a:p>
-          <a:p>
-            <a:pPr marL="514350" indent="-514350">
-              <a:buFont typeface="+mj-lt"/>
-              <a:buAutoNum type="arabicPeriod"/>
-            </a:pPr>
-            <a:r>
-              <a:rPr lang="en-US" sz="2800" dirty="0"/>
-              <a:t>Repeat for Multiple Trees</a:t>
-            </a:r>
-          </a:p>
-          <a:p>
-            <a:pPr marL="514350" indent="-514350">
-              <a:buFont typeface="+mj-lt"/>
-              <a:buAutoNum type="arabicPeriod"/>
-            </a:pPr>
-            <a:r>
-              <a:rPr lang="en-US" sz="2800" dirty="0"/>
-              <a:t>Final Model</a:t>
+              <a:t>Occupation</a:t>
             </a:r>
           </a:p>
         </p:txBody>
@@ -6801,7 +7384,7 @@
     </p:spTree>
     <p:extLst>
       <p:ext uri="{BB962C8B-B14F-4D97-AF65-F5344CB8AC3E}">
-        <p14:creationId xmlns:p14="http://schemas.microsoft.com/office/powerpoint/2010/main" val="1232011797"/>
+        <p14:creationId xmlns:p14="http://schemas.microsoft.com/office/powerpoint/2010/main" val="4275756702"/>
       </p:ext>
     </p:extLst>
   </p:cSld>
